--- a/presentation/presentation.pptx
+++ b/presentation/presentation.pptx
@@ -12,7 +12,6 @@
     <p:sldId id="257" r:id="rId9"/>
     <p:sldId id="258" r:id="rId10"/>
     <p:sldId id="259" r:id="rId11"/>
-    <p:sldId id="260" r:id="rId12"/>
   </p:sldIdLst>
   <p:sldSz cx="24384000" cy="13716000"/>
   <p:notesSz cx="6858000" cy="9144000"/>
@@ -4156,7 +4155,7 @@
       </p:grpSpPr>
       <p:sp>
         <p:nvSpPr>
-          <p:cNvPr id="155" name="Motivation"/>
+          <p:cNvPr id="155" name="Approach"/>
           <p:cNvSpPr txBox="1"/>
           <p:nvPr>
             <p:ph type="title"/>
@@ -4173,7 +4172,7 @@
           <a:p>
             <a:pPr/>
             <a:r>
-              <a:t>Motivation</a:t>
+              <a:t>Approach</a:t>
             </a:r>
           </a:p>
         </p:txBody>
@@ -4201,7 +4200,7 @@
       </p:sp>
       <p:sp>
         <p:nvSpPr>
-          <p:cNvPr id="157" name="Text für Folienpunkt"/>
+          <p:cNvPr id="157" name="SKLearn Pipelines…"/>
           <p:cNvSpPr txBox="1"/>
           <p:nvPr>
             <p:ph type="body" idx="1"/>
@@ -4217,6 +4216,45 @@
           <a:lstStyle/>
           <a:p>
             <a:pPr/>
+            <a:r>
+              <a:t>SKLearn Pipelines</a:t>
+            </a:r>
+          </a:p>
+          <a:p>
+            <a:pPr lvl="1"/>
+            <a:r>
+              <a:t>Allows for a streamlined workflow</a:t>
+            </a:r>
+          </a:p>
+          <a:p>
+            <a:pPr lvl="1"/>
+            <a:r>
+              <a:t>Future-proof: swapping components is easy</a:t>
+            </a:r>
+          </a:p>
+          <a:p>
+            <a:pPr lvl="1"/>
+            <a:r>
+              <a:t>Can be used to differentiate models, provide further capability</a:t>
+            </a:r>
+          </a:p>
+          <a:p>
+            <a:pPr/>
+            <a:r>
+              <a:t>XGBoost</a:t>
+            </a:r>
+          </a:p>
+          <a:p>
+            <a:pPr lvl="1"/>
+            <a:r>
+              <a:t>Boosted trees classifier</a:t>
+            </a:r>
+          </a:p>
+          <a:p>
+            <a:pPr/>
+            <a:r>
+              <a:t>Simple Flask, Docker capable API</a:t>
+            </a:r>
           </a:p>
         </p:txBody>
       </p:sp>
@@ -4248,7 +4286,7 @@
       </p:grpSpPr>
       <p:sp>
         <p:nvSpPr>
-          <p:cNvPr id="159" name="Approach"/>
+          <p:cNvPr id="159" name="Results"/>
           <p:cNvSpPr txBox="1"/>
           <p:nvPr>
             <p:ph type="title"/>
@@ -4265,14 +4303,14 @@
           <a:p>
             <a:pPr/>
             <a:r>
-              <a:t>Approach</a:t>
+              <a:t>Results</a:t>
             </a:r>
           </a:p>
         </p:txBody>
       </p:sp>
       <p:sp>
         <p:nvSpPr>
-          <p:cNvPr id="160" name="Folien-Untertitel"/>
+          <p:cNvPr id="160" name="The Tuned XGBoost Model"/>
           <p:cNvSpPr txBox="1"/>
           <p:nvPr>
             <p:ph type="body" idx="21"/>
@@ -4282,33 +4320,20 @@
           <a:prstGeom prst="rect">
             <a:avLst/>
           </a:prstGeom>
+          <a:extLst>
+            <a:ext uri="{C572A759-6A51-4108-AA02-DFA0A04FC94B}">
+              <ma14:wrappingTextBoxFlag xmlns:ma14="http://schemas.microsoft.com/office/mac/drawingml/2011/main" val="1"/>
+            </a:ext>
+          </a:extLst>
         </p:spPr>
         <p:txBody>
           <a:bodyPr/>
           <a:lstStyle/>
           <a:p>
             <a:pPr/>
-          </a:p>
-        </p:txBody>
-      </p:sp>
-      <p:sp>
-        <p:nvSpPr>
-          <p:cNvPr id="161" name="Text für Folienpunkt"/>
-          <p:cNvSpPr txBox="1"/>
-          <p:nvPr>
-            <p:ph type="body" idx="1"/>
-          </p:nvPr>
-        </p:nvSpPr>
-        <p:spPr>
-          <a:prstGeom prst="rect">
-            <a:avLst/>
-          </a:prstGeom>
-        </p:spPr>
-        <p:txBody>
-          <a:bodyPr/>
-          <a:lstStyle/>
-          <a:p>
-            <a:pPr/>
+            <a:r>
+              <a:t>The Tuned XGBoost Model</a:t>
+            </a:r>
           </a:p>
         </p:txBody>
       </p:sp>
@@ -4340,7 +4365,7 @@
       </p:grpSpPr>
       <p:sp>
         <p:nvSpPr>
-          <p:cNvPr id="163" name="Results"/>
+          <p:cNvPr id="162" name="Future Steps"/>
           <p:cNvSpPr txBox="1"/>
           <p:nvPr>
             <p:ph type="title"/>
@@ -4357,35 +4382,14 @@
           <a:p>
             <a:pPr/>
             <a:r>
-              <a:t>Results</a:t>
+              <a:t>Future Steps</a:t>
             </a:r>
           </a:p>
         </p:txBody>
       </p:sp>
       <p:sp>
         <p:nvSpPr>
-          <p:cNvPr id="164" name="Folien-Untertitel"/>
-          <p:cNvSpPr txBox="1"/>
-          <p:nvPr>
-            <p:ph type="body" idx="21"/>
-          </p:nvPr>
-        </p:nvSpPr>
-        <p:spPr>
-          <a:prstGeom prst="rect">
-            <a:avLst/>
-          </a:prstGeom>
-        </p:spPr>
-        <p:txBody>
-          <a:bodyPr/>
-          <a:lstStyle/>
-          <a:p>
-            <a:pPr/>
-          </a:p>
-        </p:txBody>
-      </p:sp>
-      <p:sp>
-        <p:nvSpPr>
-          <p:cNvPr id="165" name="Text für Folienpunkt"/>
+          <p:cNvPr id="163" name="Using Neural Networks to further optimise the predictions…"/>
           <p:cNvSpPr txBox="1"/>
           <p:nvPr>
             <p:ph type="body" idx="1"/>
@@ -4400,92 +4404,80 @@
           <a:bodyPr/>
           <a:lstStyle/>
           <a:p>
-            <a:pPr/>
-          </a:p>
-        </p:txBody>
-      </p:sp>
-    </p:spTree>
-  </p:cSld>
-  <p:clrMapOvr>
-    <a:masterClrMapping/>
-  </p:clrMapOvr>
-  <p:transition xmlns:p14="http://schemas.microsoft.com/office/powerpoint/2010/main" spd="med" advClick="1"/>
-</p:sld>
-</file>
-
-<file path=ppt/slides/slide5.xml><?xml version="1.0" encoding="utf-8"?>
-<p:sld xmlns:a="http://schemas.openxmlformats.org/drawingml/2006/main" xmlns:r="http://schemas.openxmlformats.org/officeDocument/2006/relationships" xmlns:p="http://schemas.openxmlformats.org/presentationml/2006/main" xmlns:m="http://schemas.openxmlformats.org/officeDocument/2006/math" xmlns:a14="http://schemas.microsoft.com/office/drawing/2010/main" showMasterSp="1" showMasterPhAnim="1">
-  <p:cSld>
-    <p:spTree>
-      <p:nvGrpSpPr>
-        <p:cNvPr id="1" name=""/>
-        <p:cNvGrpSpPr/>
-        <p:nvPr/>
-      </p:nvGrpSpPr>
-      <p:grpSpPr>
-        <a:xfrm>
-          <a:off x="0" y="0"/>
-          <a:ext cx="0" cy="0"/>
-          <a:chOff x="0" y="0"/>
-          <a:chExt cx="0" cy="0"/>
-        </a:xfrm>
-      </p:grpSpPr>
-      <p:sp>
-        <p:nvSpPr>
-          <p:cNvPr id="167" name="Future Steps"/>
-          <p:cNvSpPr txBox="1"/>
-          <p:nvPr>
-            <p:ph type="title"/>
-          </p:nvPr>
-        </p:nvSpPr>
-        <p:spPr>
-          <a:prstGeom prst="rect">
-            <a:avLst/>
-          </a:prstGeom>
-        </p:spPr>
-        <p:txBody>
-          <a:bodyPr/>
-          <a:lstStyle/>
-          <a:p>
-            <a:pPr/>
-            <a:r>
-              <a:t>Future Steps</a:t>
-            </a:r>
-          </a:p>
-        </p:txBody>
-      </p:sp>
-      <p:sp>
-        <p:nvSpPr>
-          <p:cNvPr id="168" name="NNs…"/>
-          <p:cNvSpPr txBox="1"/>
-          <p:nvPr>
-            <p:ph type="body" idx="1"/>
-          </p:nvPr>
-        </p:nvSpPr>
-        <p:spPr>
-          <a:prstGeom prst="rect">
-            <a:avLst/>
-          </a:prstGeom>
-        </p:spPr>
-        <p:txBody>
-          <a:bodyPr/>
-          <a:lstStyle/>
-          <a:p>
-            <a:pPr/>
-            <a:r>
-              <a:t>NNs</a:t>
-            </a:r>
-          </a:p>
-          <a:p>
-            <a:pPr/>
-            <a:r>
-              <a:t>Other vectorization options</a:t>
-            </a:r>
-          </a:p>
-          <a:p>
-            <a:pPr/>
+            <a:pPr marL="566927" indent="-566927" defTabSz="2267655">
+              <a:spcBef>
+                <a:spcPts val="4100"/>
+              </a:spcBef>
+              <a:defRPr sz="4464"/>
+            </a:pPr>
+            <a:r>
+              <a:t>Using Neural Networks to further optimise the predictions</a:t>
+            </a:r>
+          </a:p>
+          <a:p>
+            <a:pPr marL="566927" indent="-566927" defTabSz="2267655">
+              <a:spcBef>
+                <a:spcPts val="4100"/>
+              </a:spcBef>
+              <a:defRPr sz="4464"/>
+            </a:pPr>
+            <a:r>
+              <a:t>Other vectorization options: Word2Vec, Glove</a:t>
+            </a:r>
+          </a:p>
+          <a:p>
+            <a:pPr lvl="1" marL="1133855" indent="-566927" defTabSz="2267655">
+              <a:spcBef>
+                <a:spcPts val="4100"/>
+              </a:spcBef>
+              <a:defRPr sz="4464"/>
+            </a:pPr>
+            <a:r>
+              <a:t>Our predictions are as good as the inflowing vectors </a:t>
+            </a:r>
+          </a:p>
+          <a:p>
+            <a:pPr marL="566927" indent="-566927" defTabSz="2267655">
+              <a:spcBef>
+                <a:spcPts val="4100"/>
+              </a:spcBef>
+              <a:defRPr sz="4464"/>
+            </a:pPr>
             <a:r>
               <a:t>Using more features</a:t>
+            </a:r>
+          </a:p>
+          <a:p>
+            <a:pPr lvl="1" marL="1133855" indent="-566927" defTabSz="2267655">
+              <a:spcBef>
+                <a:spcPts val="4100"/>
+              </a:spcBef>
+              <a:defRPr sz="4464"/>
+            </a:pPr>
+            <a:r>
+              <a:t>Trying out other features from the dataset</a:t>
+            </a:r>
+          </a:p>
+          <a:p>
+            <a:pPr marL="566927" indent="-566927" defTabSz="2267655">
+              <a:spcBef>
+                <a:spcPts val="4100"/>
+              </a:spcBef>
+              <a:defRPr sz="4464"/>
+            </a:pPr>
+            <a:r>
+              <a:t>Polishing</a:t>
+            </a:r>
+          </a:p>
+          <a:p>
+            <a:pPr lvl="1" marL="1133855" indent="-566927" defTabSz="2267655">
+              <a:spcBef>
+                <a:spcPts val="4100"/>
+              </a:spcBef>
+              <a:defRPr sz="4464"/>
+            </a:pPr>
+            <a:r>
+              <a:t>Eg.: working better with directories, better logging, automated tests, documentation, etc.</a:t>
             </a:r>
           </a:p>
         </p:txBody>
